--- a/Xamarin Cafeteria Simple.pptx
+++ b/Xamarin Cafeteria Simple.pptx
@@ -5,7 +5,7 @@
     <p:sldMasterId id="2147483648" r:id="rId4"/>
   </p:sldMasterIdLst>
   <p:notesMasterIdLst>
-    <p:notesMasterId r:id="rId45"/>
+    <p:notesMasterId r:id="rId46"/>
   </p:notesMasterIdLst>
   <p:sldIdLst>
     <p:sldId id="256" r:id="rId5"/>
@@ -33,7 +33,7 @@
     <p:sldId id="353" r:id="rId27"/>
     <p:sldId id="339" r:id="rId28"/>
     <p:sldId id="340" r:id="rId29"/>
-    <p:sldId id="343" r:id="rId30"/>
+    <p:sldId id="369" r:id="rId30"/>
     <p:sldId id="342" r:id="rId31"/>
     <p:sldId id="344" r:id="rId32"/>
     <p:sldId id="346" r:id="rId33"/>
@@ -47,7 +47,8 @@
     <p:sldId id="356" r:id="rId41"/>
     <p:sldId id="367" r:id="rId42"/>
     <p:sldId id="368" r:id="rId43"/>
-    <p:sldId id="318" r:id="rId44"/>
+    <p:sldId id="370" r:id="rId44"/>
+    <p:sldId id="318" r:id="rId45"/>
   </p:sldIdLst>
   <p:sldSz cx="9144000" cy="5143500" type="screen16x9"/>
   <p:notesSz cx="6858000" cy="9144000"/>
@@ -3496,15 +3497,8 @@
             <a:pPr lvl="2"/>
             <a:r>
               <a:rPr lang="en-US" dirty="0"/>
-              <a:t>The meal of the menu </a:t>
-            </a:r>
-            <a:r>
-              <a:rPr lang="en-US" dirty="0" smtClean="0"/>
-              <a:t>item</a:t>
-            </a:r>
-          </a:p>
-          <a:p>
-            <a:endParaRPr lang="en-US" dirty="0" smtClean="0"/>
+              <a:t>The meal of the menu item</a:t>
+            </a:r>
           </a:p>
           <a:p>
             <a:pPr lvl="2"/>
@@ -3825,6 +3819,13 @@
   <p:clrMapOvr>
     <a:masterClrMapping/>
   </p:clrMapOvr>
+  <p:timing>
+    <p:tnLst>
+      <p:par>
+        <p:cTn id="1" dur="indefinite" restart="never" nodeType="tmRoot"/>
+      </p:par>
+    </p:tnLst>
+  </p:timing>
 </p:sld>
 </file>
 
@@ -3952,6 +3953,13 @@
   <p:clrMapOvr>
     <a:masterClrMapping/>
   </p:clrMapOvr>
+  <p:timing>
+    <p:tnLst>
+      <p:par>
+        <p:cTn id="1" dur="indefinite" restart="never" nodeType="tmRoot"/>
+      </p:par>
+    </p:tnLst>
+  </p:timing>
 </p:sld>
 </file>
 
@@ -4046,6 +4054,13 @@
   <p:clrMapOvr>
     <a:masterClrMapping/>
   </p:clrMapOvr>
+  <p:timing>
+    <p:tnLst>
+      <p:par>
+        <p:cTn id="1" dur="indefinite" restart="never" nodeType="tmRoot"/>
+      </p:par>
+    </p:tnLst>
+  </p:timing>
 </p:sld>
 </file>
 
@@ -5069,6 +5084,13 @@
   <p:clrMapOvr>
     <a:masterClrMapping/>
   </p:clrMapOvr>
+  <p:timing>
+    <p:tnLst>
+      <p:par>
+        <p:cTn id="1" dur="indefinite" restart="never" nodeType="tmRoot"/>
+      </p:par>
+    </p:tnLst>
+  </p:timing>
 </p:sld>
 </file>
 
@@ -5198,6 +5220,13 @@
   <p:clrMapOvr>
     <a:masterClrMapping/>
   </p:clrMapOvr>
+  <p:timing>
+    <p:tnLst>
+      <p:par>
+        <p:cTn id="1" dur="indefinite" restart="never" nodeType="tmRoot"/>
+      </p:par>
+    </p:tnLst>
+  </p:timing>
 </p:sld>
 </file>
 
@@ -5327,7 +5356,7 @@
     </p:spTree>
     <p:extLst>
       <p:ext uri="{BB962C8B-B14F-4D97-AF65-F5344CB8AC3E}">
-        <p14:creationId xmlns:p14="http://schemas.microsoft.com/office/powerpoint/2010/main" val="36144370"/>
+        <p14:creationId xmlns:p14="http://schemas.microsoft.com/office/powerpoint/2010/main" val="1297492163"/>
       </p:ext>
     </p:extLst>
   </p:cSld>
@@ -8079,6 +8108,13 @@
   <p:clrMapOvr>
     <a:masterClrMapping/>
   </p:clrMapOvr>
+  <p:timing>
+    <p:tnLst>
+      <p:par>
+        <p:cTn id="1" dur="indefinite" restart="never" nodeType="tmRoot"/>
+      </p:par>
+    </p:tnLst>
+  </p:timing>
 </p:sld>
 </file>
 
@@ -8246,6 +8282,513 @@
             <a:spLocks noGrp="1"/>
           </p:cNvSpPr>
           <p:nvPr>
+            <p:ph type="title"/>
+          </p:nvPr>
+        </p:nvSpPr>
+        <p:spPr/>
+        <p:txBody>
+          <a:bodyPr/>
+          <a:lstStyle/>
+          <a:p>
+            <a:r>
+              <a:rPr lang="en-US" dirty="0" smtClean="0"/>
+              <a:t>UI Breakdown</a:t>
+            </a:r>
+            <a:endParaRPr lang="en-US" dirty="0"/>
+          </a:p>
+        </p:txBody>
+      </p:sp>
+      <p:pic>
+        <p:nvPicPr>
+          <p:cNvPr id="4" name="Content Placeholder 3"/>
+          <p:cNvPicPr>
+            <a:picLocks noGrp="1" noChangeAspect="1"/>
+          </p:cNvPicPr>
+          <p:nvPr>
+            <p:ph idx="1"/>
+          </p:nvPr>
+        </p:nvPicPr>
+        <p:blipFill>
+          <a:blip r:embed="rId2">
+            <a:extLst>
+              <a:ext uri="{28A0092B-C50C-407E-A947-70E740481C1C}">
+                <a14:useLocalDpi xmlns:a14="http://schemas.microsoft.com/office/drawing/2010/main" val="0"/>
+              </a:ext>
+            </a:extLst>
+          </a:blip>
+          <a:stretch>
+            <a:fillRect/>
+          </a:stretch>
+        </p:blipFill>
+        <p:spPr>
+          <a:xfrm>
+            <a:off x="3047041" y="910173"/>
+            <a:ext cx="1967132" cy="3491661"/>
+          </a:xfrm>
+        </p:spPr>
+      </p:pic>
+      <p:sp>
+        <p:nvSpPr>
+          <p:cNvPr id="7" name="TextBox 6"/>
+          <p:cNvSpPr txBox="1"/>
+          <p:nvPr/>
+        </p:nvSpPr>
+        <p:spPr>
+          <a:xfrm>
+            <a:off x="201011" y="4401834"/>
+            <a:ext cx="2593428" cy="261610"/>
+          </a:xfrm>
+          <a:prstGeom prst="rect">
+            <a:avLst/>
+          </a:prstGeom>
+          <a:noFill/>
+        </p:spPr>
+        <p:txBody>
+          <a:bodyPr wrap="square" rtlCol="0">
+            <a:spAutoFit/>
+          </a:bodyPr>
+          <a:lstStyle/>
+          <a:p>
+            <a:r>
+              <a:rPr lang="en-US" sz="1100" i="1" dirty="0" err="1" smtClean="0"/>
+              <a:t>CafeteriaMenuPage.xaml</a:t>
+            </a:r>
+            <a:endParaRPr lang="en-US" sz="1100" i="1" dirty="0"/>
+          </a:p>
+        </p:txBody>
+      </p:sp>
+      <p:sp>
+        <p:nvSpPr>
+          <p:cNvPr id="5" name="Right Brace 4"/>
+          <p:cNvSpPr/>
+          <p:nvPr/>
+        </p:nvSpPr>
+        <p:spPr>
+          <a:xfrm>
+            <a:off x="5014173" y="1304693"/>
+            <a:ext cx="193447" cy="267629"/>
+          </a:xfrm>
+          <a:prstGeom prst="rightBrace">
+            <a:avLst/>
+          </a:prstGeom>
+          <a:ln>
+            <a:solidFill>
+              <a:schemeClr val="tx1"/>
+            </a:solidFill>
+          </a:ln>
+        </p:spPr>
+        <p:style>
+          <a:lnRef idx="2">
+            <a:schemeClr val="accent1"/>
+          </a:lnRef>
+          <a:fillRef idx="0">
+            <a:schemeClr val="accent1"/>
+          </a:fillRef>
+          <a:effectRef idx="1">
+            <a:schemeClr val="accent1"/>
+          </a:effectRef>
+          <a:fontRef idx="minor">
+            <a:schemeClr val="tx1"/>
+          </a:fontRef>
+        </p:style>
+        <p:txBody>
+          <a:bodyPr rtlCol="0" anchor="ctr"/>
+          <a:lstStyle/>
+          <a:p>
+            <a:pPr algn="ctr"/>
+            <a:endParaRPr lang="en-US"/>
+          </a:p>
+        </p:txBody>
+      </p:sp>
+      <p:sp>
+        <p:nvSpPr>
+          <p:cNvPr id="6" name="TextBox 5"/>
+          <p:cNvSpPr txBox="1"/>
+          <p:nvPr/>
+        </p:nvSpPr>
+        <p:spPr>
+          <a:xfrm>
+            <a:off x="5266775" y="1253841"/>
+            <a:ext cx="872355" cy="369332"/>
+          </a:xfrm>
+          <a:prstGeom prst="rect">
+            <a:avLst/>
+          </a:prstGeom>
+          <a:noFill/>
+        </p:spPr>
+        <p:txBody>
+          <a:bodyPr wrap="none" rtlCol="0">
+            <a:spAutoFit/>
+          </a:bodyPr>
+          <a:lstStyle/>
+          <a:p>
+            <a:r>
+              <a:rPr lang="en-US" smtClean="0"/>
+              <a:t>Header</a:t>
+            </a:r>
+            <a:endParaRPr lang="en-US"/>
+          </a:p>
+        </p:txBody>
+      </p:sp>
+      <p:sp>
+        <p:nvSpPr>
+          <p:cNvPr id="8" name="Right Brace 7"/>
+          <p:cNvSpPr/>
+          <p:nvPr/>
+        </p:nvSpPr>
+        <p:spPr>
+          <a:xfrm>
+            <a:off x="5014173" y="2486722"/>
+            <a:ext cx="252602" cy="169281"/>
+          </a:xfrm>
+          <a:prstGeom prst="rightBrace">
+            <a:avLst/>
+          </a:prstGeom>
+          <a:ln>
+            <a:solidFill>
+              <a:srgbClr val="00B050"/>
+            </a:solidFill>
+          </a:ln>
+        </p:spPr>
+        <p:style>
+          <a:lnRef idx="2">
+            <a:schemeClr val="accent1"/>
+          </a:lnRef>
+          <a:fillRef idx="0">
+            <a:schemeClr val="accent1"/>
+          </a:fillRef>
+          <a:effectRef idx="1">
+            <a:schemeClr val="accent1"/>
+          </a:effectRef>
+          <a:fontRef idx="minor">
+            <a:schemeClr val="tx1"/>
+          </a:fontRef>
+        </p:style>
+        <p:txBody>
+          <a:bodyPr rtlCol="0" anchor="ctr"/>
+          <a:lstStyle/>
+          <a:p>
+            <a:pPr algn="ctr"/>
+            <a:endParaRPr lang="en-US"/>
+          </a:p>
+        </p:txBody>
+      </p:sp>
+      <p:sp>
+        <p:nvSpPr>
+          <p:cNvPr id="9" name="TextBox 8"/>
+          <p:cNvSpPr txBox="1"/>
+          <p:nvPr/>
+        </p:nvSpPr>
+        <p:spPr>
+          <a:xfrm>
+            <a:off x="5416144" y="2386696"/>
+            <a:ext cx="1708225" cy="369332"/>
+          </a:xfrm>
+          <a:prstGeom prst="rect">
+            <a:avLst/>
+          </a:prstGeom>
+          <a:noFill/>
+        </p:spPr>
+        <p:txBody>
+          <a:bodyPr wrap="none" rtlCol="0">
+            <a:spAutoFit/>
+          </a:bodyPr>
+          <a:lstStyle/>
+          <a:p>
+            <a:r>
+              <a:rPr lang="en-US" dirty="0" smtClean="0"/>
+              <a:t>Label Text: Meal</a:t>
+            </a:r>
+            <a:endParaRPr lang="en-US" dirty="0"/>
+          </a:p>
+        </p:txBody>
+      </p:sp>
+      <p:sp>
+        <p:nvSpPr>
+          <p:cNvPr id="10" name="Right Brace 9"/>
+          <p:cNvSpPr/>
+          <p:nvPr/>
+        </p:nvSpPr>
+        <p:spPr>
+          <a:xfrm>
+            <a:off x="5014173" y="2656003"/>
+            <a:ext cx="252602" cy="756270"/>
+          </a:xfrm>
+          <a:prstGeom prst="rightBrace">
+            <a:avLst/>
+          </a:prstGeom>
+          <a:ln>
+            <a:solidFill>
+              <a:srgbClr val="FFC000"/>
+            </a:solidFill>
+          </a:ln>
+        </p:spPr>
+        <p:style>
+          <a:lnRef idx="2">
+            <a:schemeClr val="accent1"/>
+          </a:lnRef>
+          <a:fillRef idx="0">
+            <a:schemeClr val="accent1"/>
+          </a:fillRef>
+          <a:effectRef idx="1">
+            <a:schemeClr val="accent1"/>
+          </a:effectRef>
+          <a:fontRef idx="minor">
+            <a:schemeClr val="tx1"/>
+          </a:fontRef>
+        </p:style>
+        <p:txBody>
+          <a:bodyPr rtlCol="0" anchor="ctr"/>
+          <a:lstStyle/>
+          <a:p>
+            <a:pPr algn="ctr"/>
+            <a:endParaRPr lang="en-US"/>
+          </a:p>
+        </p:txBody>
+      </p:sp>
+      <p:sp>
+        <p:nvSpPr>
+          <p:cNvPr id="11" name="TextBox 10"/>
+          <p:cNvSpPr txBox="1"/>
+          <p:nvPr/>
+        </p:nvSpPr>
+        <p:spPr>
+          <a:xfrm>
+            <a:off x="5433136" y="2849472"/>
+            <a:ext cx="2334998" cy="369332"/>
+          </a:xfrm>
+          <a:prstGeom prst="rect">
+            <a:avLst/>
+          </a:prstGeom>
+          <a:noFill/>
+        </p:spPr>
+        <p:txBody>
+          <a:bodyPr wrap="none" rtlCol="0">
+            <a:spAutoFit/>
+          </a:bodyPr>
+          <a:lstStyle/>
+          <a:p>
+            <a:r>
+              <a:rPr lang="en-US" dirty="0" smtClean="0"/>
+              <a:t>Label Text: </a:t>
+            </a:r>
+            <a:r>
+              <a:rPr lang="en-US" dirty="0" err="1" smtClean="0"/>
+              <a:t>MenuString</a:t>
+            </a:r>
+            <a:endParaRPr lang="en-US" dirty="0"/>
+          </a:p>
+        </p:txBody>
+      </p:sp>
+      <p:sp>
+        <p:nvSpPr>
+          <p:cNvPr id="12" name="Left Brace 11"/>
+          <p:cNvSpPr/>
+          <p:nvPr/>
+        </p:nvSpPr>
+        <p:spPr>
+          <a:xfrm>
+            <a:off x="1339288" y="1304693"/>
+            <a:ext cx="1707753" cy="3097141"/>
+          </a:xfrm>
+          <a:prstGeom prst="leftBrace">
+            <a:avLst>
+              <a:gd name="adj1" fmla="val 8333"/>
+              <a:gd name="adj2" fmla="val 8594"/>
+            </a:avLst>
+          </a:prstGeom>
+          <a:ln>
+            <a:solidFill>
+              <a:srgbClr val="00B0F0"/>
+            </a:solidFill>
+          </a:ln>
+        </p:spPr>
+        <p:style>
+          <a:lnRef idx="2">
+            <a:schemeClr val="accent1"/>
+          </a:lnRef>
+          <a:fillRef idx="0">
+            <a:schemeClr val="accent1"/>
+          </a:fillRef>
+          <a:effectRef idx="1">
+            <a:schemeClr val="accent1"/>
+          </a:effectRef>
+          <a:fontRef idx="minor">
+            <a:schemeClr val="tx1"/>
+          </a:fontRef>
+        </p:style>
+        <p:txBody>
+          <a:bodyPr rtlCol="0" anchor="ctr"/>
+          <a:lstStyle/>
+          <a:p>
+            <a:pPr algn="ctr"/>
+            <a:endParaRPr lang="en-US"/>
+          </a:p>
+        </p:txBody>
+      </p:sp>
+      <p:sp>
+        <p:nvSpPr>
+          <p:cNvPr id="13" name="TextBox 12"/>
+          <p:cNvSpPr txBox="1"/>
+          <p:nvPr/>
+        </p:nvSpPr>
+        <p:spPr>
+          <a:xfrm>
+            <a:off x="151190" y="1421030"/>
+            <a:ext cx="2123595" cy="646331"/>
+          </a:xfrm>
+          <a:prstGeom prst="rect">
+            <a:avLst/>
+          </a:prstGeom>
+          <a:noFill/>
+        </p:spPr>
+        <p:txBody>
+          <a:bodyPr wrap="none" rtlCol="0">
+            <a:spAutoFit/>
+          </a:bodyPr>
+          <a:lstStyle/>
+          <a:p>
+            <a:r>
+              <a:rPr lang="en-US" dirty="0" err="1" smtClean="0"/>
+              <a:t>ListView</a:t>
+            </a:r>
+            <a:endParaRPr lang="en-US" dirty="0" smtClean="0"/>
+          </a:p>
+          <a:p>
+            <a:r>
+              <a:rPr lang="en-US" dirty="0" err="1" smtClean="0"/>
+              <a:t>ItemSource</a:t>
+            </a:r>
+            <a:r>
+              <a:rPr lang="en-US" dirty="0" smtClean="0"/>
+              <a:t>: Stations</a:t>
+            </a:r>
+            <a:endParaRPr lang="en-US" dirty="0"/>
+          </a:p>
+        </p:txBody>
+      </p:sp>
+      <p:sp>
+        <p:nvSpPr>
+          <p:cNvPr id="14" name="Left Brace 13"/>
+          <p:cNvSpPr/>
+          <p:nvPr/>
+        </p:nvSpPr>
+        <p:spPr>
+          <a:xfrm>
+            <a:off x="2007220" y="2486722"/>
+            <a:ext cx="1039821" cy="925551"/>
+          </a:xfrm>
+          <a:prstGeom prst="leftBrace">
+            <a:avLst/>
+          </a:prstGeom>
+          <a:solidFill>
+            <a:schemeClr val="bg2">
+              <a:lumMod val="85000"/>
+            </a:schemeClr>
+          </a:solidFill>
+          <a:ln>
+            <a:solidFill>
+              <a:schemeClr val="tx1"/>
+            </a:solidFill>
+          </a:ln>
+        </p:spPr>
+        <p:style>
+          <a:lnRef idx="2">
+            <a:schemeClr val="accent1"/>
+          </a:lnRef>
+          <a:fillRef idx="0">
+            <a:schemeClr val="accent1"/>
+          </a:fillRef>
+          <a:effectRef idx="1">
+            <a:schemeClr val="accent1"/>
+          </a:effectRef>
+          <a:fontRef idx="minor">
+            <a:schemeClr val="tx1"/>
+          </a:fontRef>
+        </p:style>
+        <p:txBody>
+          <a:bodyPr rtlCol="0" anchor="ctr"/>
+          <a:lstStyle/>
+          <a:p>
+            <a:pPr algn="ctr"/>
+            <a:endParaRPr lang="en-US"/>
+          </a:p>
+        </p:txBody>
+      </p:sp>
+      <p:sp>
+        <p:nvSpPr>
+          <p:cNvPr id="15" name="TextBox 14"/>
+          <p:cNvSpPr txBox="1"/>
+          <p:nvPr/>
+        </p:nvSpPr>
+        <p:spPr>
+          <a:xfrm>
+            <a:off x="887634" y="2823784"/>
+            <a:ext cx="993285" cy="369332"/>
+          </a:xfrm>
+          <a:prstGeom prst="rect">
+            <a:avLst/>
+          </a:prstGeom>
+          <a:noFill/>
+        </p:spPr>
+        <p:txBody>
+          <a:bodyPr wrap="none" rtlCol="0">
+            <a:spAutoFit/>
+          </a:bodyPr>
+          <a:lstStyle/>
+          <a:p>
+            <a:r>
+              <a:rPr lang="en-US" smtClean="0"/>
+              <a:t>ViewCell</a:t>
+            </a:r>
+            <a:endParaRPr lang="en-US" dirty="0"/>
+          </a:p>
+        </p:txBody>
+      </p:sp>
+    </p:spTree>
+    <p:extLst>
+      <p:ext uri="{BB962C8B-B14F-4D97-AF65-F5344CB8AC3E}">
+        <p14:creationId xmlns:p14="http://schemas.microsoft.com/office/powerpoint/2010/main" val="391858784"/>
+      </p:ext>
+    </p:extLst>
+  </p:cSld>
+  <p:clrMapOvr>
+    <a:masterClrMapping/>
+  </p:clrMapOvr>
+  <p:timing>
+    <p:tnLst>
+      <p:par>
+        <p:cTn id="1" dur="indefinite" restart="never" nodeType="tmRoot"/>
+      </p:par>
+    </p:tnLst>
+  </p:timing>
+</p:sld>
+</file>
+
+<file path=ppt/slides/slide41.xml><?xml version="1.0" encoding="utf-8"?>
+<p:sld xmlns:a="http://schemas.openxmlformats.org/drawingml/2006/main" xmlns:r="http://schemas.openxmlformats.org/officeDocument/2006/relationships" xmlns:p="http://schemas.openxmlformats.org/presentationml/2006/main">
+  <p:cSld>
+    <p:spTree>
+      <p:nvGrpSpPr>
+        <p:cNvPr id="1" name=""/>
+        <p:cNvGrpSpPr/>
+        <p:nvPr/>
+      </p:nvGrpSpPr>
+      <p:grpSpPr>
+        <a:xfrm>
+          <a:off x="0" y="0"/>
+          <a:ext cx="0" cy="0"/>
+          <a:chOff x="0" y="0"/>
+          <a:chExt cx="0" cy="0"/>
+        </a:xfrm>
+      </p:grpSpPr>
+      <p:sp>
+        <p:nvSpPr>
+          <p:cNvPr id="3" name="Title 2"/>
+          <p:cNvSpPr>
+            <a:spLocks noGrp="1"/>
+          </p:cNvSpPr>
+          <p:nvPr>
             <p:ph type="ctrTitle"/>
           </p:nvPr>
         </p:nvSpPr>
@@ -8268,6 +8811,13 @@
   <p:clrMapOvr>
     <a:masterClrMapping/>
   </p:clrMapOvr>
+  <p:timing>
+    <p:tnLst>
+      <p:par>
+        <p:cTn id="1" dur="indefinite" restart="never" nodeType="tmRoot"/>
+      </p:par>
+    </p:tnLst>
+  </p:timing>
 </p:sld>
 </file>
 
